--- a/Presentations/Final_Presentation/spi_final_presentation.pptx
+++ b/Presentations/Final_Presentation/spi_final_presentation.pptx
@@ -3107,7 +3107,7 @@
         </p:nvSpPr>
         <p:spPr>
           <a:xfrm>
-            <a:off x="467544" y="3789040"/>
+            <a:off x="671530" y="3789040"/>
             <a:ext cx="4043346" cy="1752600"/>
           </a:xfrm>
         </p:spPr>
@@ -3582,15 +3582,7 @@
                   <a:srgbClr val="7030A0"/>
                 </a:solidFill>
               </a:rPr>
-              <a:t>Wishbone </a:t>
-            </a:r>
-            <a:r>
-              <a:rPr lang="en-US" dirty="0" smtClean="0">
-                <a:solidFill>
-                  <a:srgbClr val="7030A0"/>
-                </a:solidFill>
-              </a:rPr>
-              <a:t>Description:</a:t>
+              <a:t>Wishbone Description:</a:t>
             </a:r>
             <a:br>
               <a:rPr lang="en-US" dirty="0" smtClean="0">
@@ -4428,15 +4420,7 @@
                   <a:srgbClr val="7030A0"/>
                 </a:solidFill>
               </a:rPr>
-              <a:t>Wishbone </a:t>
-            </a:r>
-            <a:r>
-              <a:rPr lang="en-US" dirty="0" smtClean="0">
-                <a:solidFill>
-                  <a:srgbClr val="7030A0"/>
-                </a:solidFill>
-              </a:rPr>
-              <a:t>Description:</a:t>
+              <a:t>Wishbone Description:</a:t>
             </a:r>
             <a:br>
               <a:rPr lang="en-US" dirty="0" smtClean="0">
@@ -5248,15 +5232,7 @@
                   <a:srgbClr val="7030A0"/>
                 </a:solidFill>
               </a:rPr>
-              <a:t>Wishbone </a:t>
-            </a:r>
-            <a:r>
-              <a:rPr lang="en-US" dirty="0" smtClean="0">
-                <a:solidFill>
-                  <a:srgbClr val="7030A0"/>
-                </a:solidFill>
-              </a:rPr>
-              <a:t>Description:</a:t>
+              <a:t>Wishbone Description:</a:t>
             </a:r>
             <a:br>
               <a:rPr lang="en-US" dirty="0" smtClean="0">
@@ -6418,7 +6394,7 @@
         </p:nvSpPr>
         <p:spPr>
           <a:xfrm>
-            <a:off x="357158" y="2143116"/>
+            <a:off x="357158" y="1714488"/>
             <a:ext cx="8429684" cy="4286280"/>
           </a:xfrm>
         </p:spPr>
@@ -6428,24 +6404,7 @@
           </a:bodyPr>
           <a:lstStyle/>
           <a:p>
-            <a:pPr algn="l" rtl="0">
-              <a:buFont typeface="Arial" pitchFamily="34" charset="0"/>
-              <a:buChar char="•"/>
-            </a:pPr>
-            <a:r>
-              <a:rPr lang="en-US" dirty="0" smtClean="0">
-                <a:solidFill>
-                  <a:schemeClr val="tx1"/>
-                </a:solidFill>
-              </a:rPr>
-              <a:t> Integration of SPI cores</a:t>
-            </a:r>
-          </a:p>
-          <a:p>
-            <a:pPr algn="l" rtl="0">
-              <a:buFont typeface="Arial" pitchFamily="34" charset="0"/>
-              <a:buChar char="•"/>
-            </a:pPr>
+            <a:pPr algn="l" rtl="0"/>
             <a:endParaRPr lang="en-US" dirty="0" smtClean="0">
               <a:solidFill>
                 <a:schemeClr val="tx1"/>
@@ -6463,40 +6422,7 @@
                   <a:schemeClr val="tx1"/>
                 </a:solidFill>
               </a:rPr>
-              <a:t> Integration of master and slave hosts</a:t>
-            </a:r>
-          </a:p>
-          <a:p>
-            <a:pPr algn="l" rtl="0">
-              <a:buFont typeface="Arial" pitchFamily="34" charset="0"/>
-              <a:buChar char="•"/>
-            </a:pPr>
-            <a:endParaRPr lang="en-US" dirty="0" smtClean="0">
-              <a:solidFill>
-                <a:schemeClr val="tx1"/>
-              </a:solidFill>
-            </a:endParaRPr>
-          </a:p>
-          <a:p>
-            <a:pPr algn="l" rtl="0">
-              <a:buFont typeface="Arial" pitchFamily="34" charset="0"/>
-              <a:buChar char="•"/>
-            </a:pPr>
-            <a:r>
-              <a:rPr lang="en-US" dirty="0" smtClean="0">
-                <a:solidFill>
-                  <a:schemeClr val="tx1"/>
-                </a:solidFill>
-              </a:rPr>
-              <a:t> SPI top test </a:t>
-            </a:r>
-            <a:r>
-              <a:rPr lang="en-US" dirty="0" smtClean="0">
-                <a:solidFill>
-                  <a:schemeClr val="tx1"/>
-                </a:solidFill>
-              </a:rPr>
-              <a:t>bench (SPI Slave </a:t>
+              <a:t> SPI top test bench (SPI Slave </a:t>
             </a:r>
             <a:r>
               <a:rPr lang="en-US" dirty="0" smtClean="0">
@@ -6535,21 +6461,8 @@
                   <a:schemeClr val="tx1"/>
                 </a:solidFill>
               </a:rPr>
-              <a:t> Top architecture test </a:t>
+              <a:t> Top architecture test bench (Whole system)</a:t>
             </a:r>
-            <a:r>
-              <a:rPr lang="en-US" dirty="0" smtClean="0">
-                <a:solidFill>
-                  <a:schemeClr val="tx1"/>
-                </a:solidFill>
-              </a:rPr>
-              <a:t>bench (Whole system)</a:t>
-            </a:r>
-            <a:endParaRPr lang="en-US" dirty="0" smtClean="0">
-              <a:solidFill>
-                <a:schemeClr val="tx1"/>
-              </a:solidFill>
-            </a:endParaRPr>
           </a:p>
         </p:txBody>
       </p:sp>
@@ -6594,7 +6507,7 @@
                                         <p:tgtEl>
                                           <p:spTgt spid="3">
                                             <p:txEl>
-                                              <p:pRg st="0" end="0"/>
+                                              <p:pRg st="1" end="1"/>
                                             </p:txEl>
                                           </p:spTgt>
                                         </p:tgtEl>
@@ -6612,7 +6525,7 @@
                                         <p:tgtEl>
                                           <p:spTgt spid="3">
                                             <p:txEl>
-                                              <p:pRg st="0" end="0"/>
+                                              <p:pRg st="1" end="1"/>
                                             </p:txEl>
                                           </p:spTgt>
                                         </p:tgtEl>
@@ -6655,7 +6568,7 @@
                                         <p:tgtEl>
                                           <p:spTgt spid="3">
                                             <p:txEl>
-                                              <p:pRg st="2" end="2"/>
+                                              <p:pRg st="3" end="3"/>
                                             </p:txEl>
                                           </p:spTgt>
                                         </p:tgtEl>
@@ -6673,129 +6586,7 @@
                                         <p:tgtEl>
                                           <p:spTgt spid="3">
                                             <p:txEl>
-                                              <p:pRg st="2" end="2"/>
-                                            </p:txEl>
-                                          </p:spTgt>
-                                        </p:tgtEl>
-                                      </p:cBhvr>
-                                    </p:animEffect>
-                                  </p:childTnLst>
-                                </p:cTn>
-                              </p:par>
-                            </p:childTnLst>
-                          </p:cTn>
-                        </p:par>
-                      </p:childTnLst>
-                    </p:cTn>
-                  </p:par>
-                  <p:par>
-                    <p:cTn id="13" fill="hold">
-                      <p:stCondLst>
-                        <p:cond delay="indefinite"/>
-                      </p:stCondLst>
-                      <p:childTnLst>
-                        <p:par>
-                          <p:cTn id="14" fill="hold">
-                            <p:stCondLst>
-                              <p:cond delay="0"/>
-                            </p:stCondLst>
-                            <p:childTnLst>
-                              <p:par>
-                                <p:cTn id="15" presetID="3" presetClass="entr" presetSubtype="10" fill="hold" nodeType="clickEffect">
-                                  <p:stCondLst>
-                                    <p:cond delay="0"/>
-                                  </p:stCondLst>
-                                  <p:childTnLst>
-                                    <p:set>
-                                      <p:cBhvr>
-                                        <p:cTn id="16" dur="1" fill="hold">
-                                          <p:stCondLst>
-                                            <p:cond delay="0"/>
-                                          </p:stCondLst>
-                                        </p:cTn>
-                                        <p:tgtEl>
-                                          <p:spTgt spid="3">
-                                            <p:txEl>
-                                              <p:pRg st="4" end="4"/>
-                                            </p:txEl>
-                                          </p:spTgt>
-                                        </p:tgtEl>
-                                        <p:attrNameLst>
-                                          <p:attrName>style.visibility</p:attrName>
-                                        </p:attrNameLst>
-                                      </p:cBhvr>
-                                      <p:to>
-                                        <p:strVal val="visible"/>
-                                      </p:to>
-                                    </p:set>
-                                    <p:animEffect transition="in" filter="blinds(horizontal)">
-                                      <p:cBhvr>
-                                        <p:cTn id="17" dur="500"/>
-                                        <p:tgtEl>
-                                          <p:spTgt spid="3">
-                                            <p:txEl>
-                                              <p:pRg st="4" end="4"/>
-                                            </p:txEl>
-                                          </p:spTgt>
-                                        </p:tgtEl>
-                                      </p:cBhvr>
-                                    </p:animEffect>
-                                  </p:childTnLst>
-                                </p:cTn>
-                              </p:par>
-                            </p:childTnLst>
-                          </p:cTn>
-                        </p:par>
-                      </p:childTnLst>
-                    </p:cTn>
-                  </p:par>
-                  <p:par>
-                    <p:cTn id="18" fill="hold">
-                      <p:stCondLst>
-                        <p:cond delay="indefinite"/>
-                      </p:stCondLst>
-                      <p:childTnLst>
-                        <p:par>
-                          <p:cTn id="19" fill="hold">
-                            <p:stCondLst>
-                              <p:cond delay="0"/>
-                            </p:stCondLst>
-                            <p:childTnLst>
-                              <p:par>
-                                <p:cTn id="20" presetID="3" presetClass="entr" presetSubtype="10" fill="hold" nodeType="clickEffect">
-                                  <p:stCondLst>
-                                    <p:cond delay="0"/>
-                                  </p:stCondLst>
-                                  <p:childTnLst>
-                                    <p:set>
-                                      <p:cBhvr>
-                                        <p:cTn id="21" dur="1" fill="hold">
-                                          <p:stCondLst>
-                                            <p:cond delay="0"/>
-                                          </p:stCondLst>
-                                        </p:cTn>
-                                        <p:tgtEl>
-                                          <p:spTgt spid="3">
-                                            <p:txEl>
-                                              <p:pRg st="6" end="6"/>
-                                            </p:txEl>
-                                          </p:spTgt>
-                                        </p:tgtEl>
-                                        <p:attrNameLst>
-                                          <p:attrName>style.visibility</p:attrName>
-                                        </p:attrNameLst>
-                                      </p:cBhvr>
-                                      <p:to>
-                                        <p:strVal val="visible"/>
-                                      </p:to>
-                                    </p:set>
-                                    <p:animEffect transition="in" filter="blinds(horizontal)">
-                                      <p:cBhvr>
-                                        <p:cTn id="22" dur="500"/>
-                                        <p:tgtEl>
-                                          <p:spTgt spid="3">
-                                            <p:txEl>
-                                              <p:pRg st="6" end="6"/>
+                                              <p:pRg st="3" end="3"/>
                                             </p:txEl>
                                           </p:spTgt>
                                         </p:tgtEl>
@@ -7104,11 +6895,7 @@
             <a:pPr algn="ctr"/>
             <a:r>
               <a:rPr lang="en-US" b="1" dirty="0" smtClean="0"/>
-              <a:t>Configuration </a:t>
-            </a:r>
-            <a:r>
-              <a:rPr lang="en-US" b="1" dirty="0" smtClean="0"/>
-              <a:t>interface</a:t>
+              <a:t>Configuration interface</a:t>
             </a:r>
             <a:endParaRPr lang="he-IL" b="1" dirty="0"/>
           </a:p>
@@ -12522,44 +12309,6 @@
       </p:cxnSp>
       <p:sp>
         <p:nvSpPr>
-          <p:cNvPr id="48" name="Oval 47"/>
-          <p:cNvSpPr/>
-          <p:nvPr/>
-        </p:nvSpPr>
-        <p:spPr>
-          <a:xfrm>
-            <a:off x="107504" y="3933056"/>
-            <a:ext cx="214314" cy="214314"/>
-          </a:xfrm>
-          <a:prstGeom prst="ellipse">
-            <a:avLst/>
-          </a:prstGeom>
-        </p:spPr>
-        <p:style>
-          <a:lnRef idx="0">
-            <a:schemeClr val="accent2"/>
-          </a:lnRef>
-          <a:fillRef idx="3">
-            <a:schemeClr val="accent2"/>
-          </a:fillRef>
-          <a:effectRef idx="3">
-            <a:schemeClr val="accent2"/>
-          </a:effectRef>
-          <a:fontRef idx="minor">
-            <a:schemeClr val="lt1"/>
-          </a:fontRef>
-        </p:style>
-        <p:txBody>
-          <a:bodyPr rtlCol="1" anchor="ctr"/>
-          <a:lstStyle/>
-          <a:p>
-            <a:pPr algn="ctr"/>
-            <a:endParaRPr lang="he-IL"/>
-          </a:p>
-        </p:txBody>
-      </p:sp>
-      <p:sp>
-        <p:nvSpPr>
           <p:cNvPr id="49" name="Oval 48"/>
           <p:cNvSpPr/>
           <p:nvPr/>
@@ -12582,44 +12331,6 @@
           </a:fillRef>
           <a:effectRef idx="3">
             <a:schemeClr val="accent2"/>
-          </a:effectRef>
-          <a:fontRef idx="minor">
-            <a:schemeClr val="lt1"/>
-          </a:fontRef>
-        </p:style>
-        <p:txBody>
-          <a:bodyPr rtlCol="1" anchor="ctr"/>
-          <a:lstStyle/>
-          <a:p>
-            <a:pPr algn="ctr"/>
-            <a:endParaRPr lang="he-IL"/>
-          </a:p>
-        </p:txBody>
-      </p:sp>
-      <p:sp>
-        <p:nvSpPr>
-          <p:cNvPr id="50" name="Oval 49"/>
-          <p:cNvSpPr/>
-          <p:nvPr/>
-        </p:nvSpPr>
-        <p:spPr>
-          <a:xfrm>
-            <a:off x="3563888" y="2996952"/>
-            <a:ext cx="214314" cy="214314"/>
-          </a:xfrm>
-          <a:prstGeom prst="ellipse">
-            <a:avLst/>
-          </a:prstGeom>
-        </p:spPr>
-        <p:style>
-          <a:lnRef idx="0">
-            <a:schemeClr val="accent3"/>
-          </a:lnRef>
-          <a:fillRef idx="3">
-            <a:schemeClr val="accent3"/>
-          </a:fillRef>
-          <a:effectRef idx="3">
-            <a:schemeClr val="accent3"/>
           </a:effectRef>
           <a:fontRef idx="minor">
             <a:schemeClr val="lt1"/>
@@ -12672,6 +12383,39 @@
           </a:p>
         </p:txBody>
       </p:sp>
+      <p:pic>
+        <p:nvPicPr>
+          <p:cNvPr id="52" name="Picture 2"/>
+          <p:cNvPicPr>
+            <a:picLocks noChangeAspect="1" noChangeArrowheads="1"/>
+          </p:cNvPicPr>
+          <p:nvPr/>
+        </p:nvPicPr>
+        <p:blipFill>
+          <a:blip r:embed="rId2" cstate="print"/>
+          <a:srcRect/>
+          <a:stretch>
+            <a:fillRect/>
+          </a:stretch>
+        </p:blipFill>
+        <p:spPr bwMode="auto">
+          <a:xfrm>
+            <a:off x="-32" y="2143116"/>
+            <a:ext cx="1571636" cy="3771922"/>
+          </a:xfrm>
+          <a:prstGeom prst="rect">
+            <a:avLst/>
+          </a:prstGeom>
+          <a:noFill/>
+          <a:ln w="9525">
+            <a:noFill/>
+            <a:miter lim="800000"/>
+            <a:headEnd/>
+            <a:tailEnd/>
+          </a:ln>
+          <a:effectLst/>
+        </p:spPr>
+      </p:pic>
     </p:spTree>
   </p:cSld>
   <p:clrMapOvr>
@@ -12698,7 +12442,7 @@
                             </p:stCondLst>
                             <p:childTnLst>
                               <p:par>
-                                <p:cTn id="5" presetID="3" presetClass="entr" presetSubtype="10" fill="hold" grpId="0" nodeType="clickEffect">
+                                <p:cTn id="5" presetID="3" presetClass="entr" presetSubtype="10" fill="hold" nodeType="clickEffect">
                                   <p:stCondLst>
                                     <p:cond delay="0"/>
                                   </p:stCondLst>
@@ -12711,7 +12455,7 @@
                                           </p:stCondLst>
                                         </p:cTn>
                                         <p:tgtEl>
-                                          <p:spTgt spid="48"/>
+                                          <p:spTgt spid="52"/>
                                         </p:tgtEl>
                                         <p:attrNameLst>
                                           <p:attrName>style.visibility</p:attrName>
@@ -12725,7 +12469,7 @@
                                       <p:cBhvr>
                                         <p:cTn id="7" dur="500"/>
                                         <p:tgtEl>
-                                          <p:spTgt spid="48"/>
+                                          <p:spTgt spid="52"/>
                                         </p:tgtEl>
                                       </p:cBhvr>
                                     </p:animEffect>
@@ -12751,23 +12495,20 @@
                             </p:stCondLst>
                             <p:childTnLst>
                               <p:par>
-                                <p:cTn id="10" presetID="0" presetClass="path" presetSubtype="0" accel="50000" decel="50000" fill="hold" grpId="1" nodeType="clickEffect">
+                                <p:cTn id="10" presetID="6" presetClass="emph" presetSubtype="0" fill="hold" nodeType="clickEffect">
                                   <p:stCondLst>
                                     <p:cond delay="0"/>
                                   </p:stCondLst>
                                   <p:childTnLst>
-                                    <p:animMotion origin="layout" path="M 0 0 L 0.06094 0.00278 L 0.06094 -0.02731 L 0.21667 -0.02477 L 0.21667 -0.13194 L 0.37951 -0.13333 " pathEditMode="relative" ptsTypes="AAAAAA">
+                                    <p:animScale>
                                       <p:cBhvr>
-                                        <p:cTn id="11" dur="2000" fill="hold"/>
+                                        <p:cTn id="11" dur="500" fill="hold"/>
                                         <p:tgtEl>
-                                          <p:spTgt spid="48"/>
+                                          <p:spTgt spid="52"/>
                                         </p:tgtEl>
-                                        <p:attrNameLst>
-                                          <p:attrName>ppt_x</p:attrName>
-                                          <p:attrName>ppt_y</p:attrName>
-                                        </p:attrNameLst>
                                       </p:cBhvr>
-                                    </p:animMotion>
+                                      <p:by x="25000" y="25000"/>
+                                    </p:animScale>
                                   </p:childTnLst>
                                 </p:cTn>
                               </p:par>
@@ -12777,32 +12518,63 @@
                         <p:par>
                           <p:cTn id="12" fill="hold">
                             <p:stCondLst>
-                              <p:cond delay="2000"/>
+                              <p:cond delay="500"/>
                             </p:stCondLst>
                             <p:childTnLst>
                               <p:par>
-                                <p:cTn id="13" presetID="3" presetClass="exit" presetSubtype="10" fill="hold" grpId="2" nodeType="afterEffect">
+                                <p:cTn id="13" presetID="0" presetClass="path" presetSubtype="0" accel="50000" decel="50000" fill="hold" nodeType="afterEffect">
                                   <p:stCondLst>
                                     <p:cond delay="0"/>
                                   </p:stCondLst>
                                   <p:childTnLst>
-                                    <p:animEffect transition="out" filter="blinds(horizontal)">
+                                    <p:animMotion origin="layout" path="M 0.0085 -0.00787 L 0.05903 -0.00162 L 0.05903 -0.02106 L 0.15712 -0.02083 L 0.16128 -0.13194 L 0.31823 -0.13565 L 0.31962 -0.1338 L 0.37205 -0.1338 " pathEditMode="relative" rAng="0" ptsTypes="AAAAAAAA">
                                       <p:cBhvr>
-                                        <p:cTn id="14" dur="500"/>
+                                        <p:cTn id="14" dur="2000" fill="hold"/>
                                         <p:tgtEl>
-                                          <p:spTgt spid="48"/>
+                                          <p:spTgt spid="52"/>
+                                        </p:tgtEl>
+                                        <p:attrNameLst>
+                                          <p:attrName>ppt_x</p:attrName>
+                                          <p:attrName>ppt_y</p:attrName>
+                                        </p:attrNameLst>
+                                      </p:cBhvr>
+                                      <p:rCtr x="182" y="-61"/>
+                                    </p:animMotion>
+                                  </p:childTnLst>
+                                </p:cTn>
+                              </p:par>
+                            </p:childTnLst>
+                          </p:cTn>
+                        </p:par>
+                        <p:par>
+                          <p:cTn id="15" fill="hold">
+                            <p:stCondLst>
+                              <p:cond delay="2500"/>
+                            </p:stCondLst>
+                            <p:childTnLst>
+                              <p:par>
+                                <p:cTn id="16" presetID="8" presetClass="exit" presetSubtype="16" fill="hold" nodeType="afterEffect">
+                                  <p:stCondLst>
+                                    <p:cond delay="0"/>
+                                  </p:stCondLst>
+                                  <p:childTnLst>
+                                    <p:animEffect transition="out" filter="diamond(in)">
+                                      <p:cBhvr>
+                                        <p:cTn id="17" dur="500"/>
+                                        <p:tgtEl>
+                                          <p:spTgt spid="52"/>
                                         </p:tgtEl>
                                       </p:cBhvr>
                                     </p:animEffect>
                                     <p:set>
                                       <p:cBhvr>
-                                        <p:cTn id="15" dur="1" fill="hold">
+                                        <p:cTn id="18" dur="1" fill="hold">
                                           <p:stCondLst>
                                             <p:cond delay="499"/>
                                           </p:stCondLst>
                                         </p:cTn>
                                         <p:tgtEl>
-                                          <p:spTgt spid="48"/>
+                                          <p:spTgt spid="52"/>
                                         </p:tgtEl>
                                         <p:attrNameLst>
                                           <p:attrName>style.visibility</p:attrName>
@@ -12819,20 +12591,20 @@
                           </p:cTn>
                         </p:par>
                         <p:par>
-                          <p:cTn id="16" fill="hold">
+                          <p:cTn id="19" fill="hold">
                             <p:stCondLst>
-                              <p:cond delay="2500"/>
+                              <p:cond delay="3000"/>
                             </p:stCondLst>
                             <p:childTnLst>
                               <p:par>
-                                <p:cTn id="17" presetID="3" presetClass="entr" presetSubtype="10" fill="hold" grpId="0" nodeType="afterEffect">
+                                <p:cTn id="20" presetID="3" presetClass="entr" presetSubtype="10" fill="hold" grpId="0" nodeType="afterEffect">
                                   <p:stCondLst>
                                     <p:cond delay="0"/>
                                   </p:stCondLst>
                                   <p:childTnLst>
                                     <p:set>
                                       <p:cBhvr>
-                                        <p:cTn id="18" dur="1" fill="hold">
+                                        <p:cTn id="21" dur="1" fill="hold">
                                           <p:stCondLst>
                                             <p:cond delay="0"/>
                                           </p:stCondLst>
@@ -12850,7 +12622,7 @@
                                     </p:set>
                                     <p:animEffect transition="in" filter="blinds(horizontal)">
                                       <p:cBhvr>
-                                        <p:cTn id="19" dur="500"/>
+                                        <p:cTn id="22" dur="500"/>
                                         <p:tgtEl>
                                           <p:spTgt spid="49"/>
                                         </p:tgtEl>
@@ -12866,26 +12638,26 @@
                     </p:cTn>
                   </p:par>
                   <p:par>
-                    <p:cTn id="20" fill="hold">
+                    <p:cTn id="23" fill="hold">
                       <p:stCondLst>
                         <p:cond delay="indefinite"/>
                       </p:stCondLst>
                       <p:childTnLst>
                         <p:par>
-                          <p:cTn id="21" fill="hold">
+                          <p:cTn id="24" fill="hold">
                             <p:stCondLst>
                               <p:cond delay="0"/>
                             </p:stCondLst>
                             <p:childTnLst>
                               <p:par>
-                                <p:cTn id="22" presetID="0" presetClass="path" presetSubtype="0" accel="50000" decel="50000" fill="hold" grpId="1" nodeType="clickEffect">
+                                <p:cTn id="25" presetID="0" presetClass="path" presetSubtype="0" accel="50000" decel="50000" fill="hold" grpId="1" nodeType="clickEffect">
                                   <p:stCondLst>
                                     <p:cond delay="0"/>
                                   </p:stCondLst>
                                   <p:childTnLst>
                                     <p:animMotion origin="layout" path="M 0 0 L 0.18334 0.00139 L 0.2783 0.00533 L 0.2783 -0.0287 L 0.39306 -0.03009 L 0.39202 0.14259 L 0.54601 0.14375 " pathEditMode="relative" ptsTypes="AAAAAAA">
                                       <p:cBhvr>
-                                        <p:cTn id="23" dur="3000" fill="hold"/>
+                                        <p:cTn id="26" dur="3000" fill="hold"/>
                                         <p:tgtEl>
                                           <p:spTgt spid="49"/>
                                         </p:tgtEl>
@@ -12902,20 +12674,20 @@
                           </p:cTn>
                         </p:par>
                         <p:par>
-                          <p:cTn id="24" fill="hold">
+                          <p:cTn id="27" fill="hold">
                             <p:stCondLst>
                               <p:cond delay="3000"/>
                             </p:stCondLst>
                             <p:childTnLst>
                               <p:par>
-                                <p:cTn id="25" presetID="3" presetClass="exit" presetSubtype="10" fill="hold" grpId="2" nodeType="afterEffect">
+                                <p:cTn id="28" presetID="3" presetClass="exit" presetSubtype="10" fill="hold" grpId="2" nodeType="afterEffect">
                                   <p:stCondLst>
                                     <p:cond delay="0"/>
                                   </p:stCondLst>
                                   <p:childTnLst>
                                     <p:animEffect transition="out" filter="blinds(horizontal)">
                                       <p:cBhvr>
-                                        <p:cTn id="26" dur="500"/>
+                                        <p:cTn id="29" dur="500"/>
                                         <p:tgtEl>
                                           <p:spTgt spid="49"/>
                                         </p:tgtEl>
@@ -12923,7 +12695,7 @@
                                     </p:animEffect>
                                     <p:set>
                                       <p:cBhvr>
-                                        <p:cTn id="27" dur="1" fill="hold">
+                                        <p:cTn id="30" dur="1" fill="hold">
                                           <p:stCondLst>
                                             <p:cond delay="499"/>
                                           </p:stCondLst>
@@ -12949,162 +12721,26 @@
                     </p:cTn>
                   </p:par>
                   <p:par>
-                    <p:cTn id="28" fill="hold">
+                    <p:cTn id="31" fill="hold">
                       <p:stCondLst>
                         <p:cond delay="indefinite"/>
                       </p:stCondLst>
                       <p:childTnLst>
                         <p:par>
-                          <p:cTn id="29" fill="hold">
+                          <p:cTn id="32" fill="hold">
                             <p:stCondLst>
                               <p:cond delay="0"/>
                             </p:stCondLst>
                             <p:childTnLst>
                               <p:par>
-                                <p:cTn id="30" presetID="3" presetClass="entr" presetSubtype="10" fill="hold" grpId="0" nodeType="clickEffect">
+                                <p:cTn id="33" presetID="3" presetClass="entr" presetSubtype="10" fill="hold" grpId="0" nodeType="clickEffect">
                                   <p:stCondLst>
                                     <p:cond delay="0"/>
                                   </p:stCondLst>
                                   <p:childTnLst>
                                     <p:set>
                                       <p:cBhvr>
-                                        <p:cTn id="31" dur="1" fill="hold">
-                                          <p:stCondLst>
-                                            <p:cond delay="0"/>
-                                          </p:stCondLst>
-                                        </p:cTn>
-                                        <p:tgtEl>
-                                          <p:spTgt spid="50"/>
-                                        </p:tgtEl>
-                                        <p:attrNameLst>
-                                          <p:attrName>style.visibility</p:attrName>
-                                        </p:attrNameLst>
-                                      </p:cBhvr>
-                                      <p:to>
-                                        <p:strVal val="visible"/>
-                                      </p:to>
-                                    </p:set>
-                                    <p:animEffect transition="in" filter="blinds(horizontal)">
-                                      <p:cBhvr>
-                                        <p:cTn id="32" dur="500"/>
-                                        <p:tgtEl>
-                                          <p:spTgt spid="50"/>
-                                        </p:tgtEl>
-                                      </p:cBhvr>
-                                    </p:animEffect>
-                                  </p:childTnLst>
-                                </p:cTn>
-                              </p:par>
-                            </p:childTnLst>
-                          </p:cTn>
-                        </p:par>
-                      </p:childTnLst>
-                    </p:cTn>
-                  </p:par>
-                  <p:par>
-                    <p:cTn id="33" fill="hold">
-                      <p:stCondLst>
-                        <p:cond delay="indefinite"/>
-                      </p:stCondLst>
-                      <p:childTnLst>
-                        <p:par>
-                          <p:cTn id="34" fill="hold">
-                            <p:stCondLst>
-                              <p:cond delay="0"/>
-                            </p:stCondLst>
-                            <p:childTnLst>
-                              <p:par>
-                                <p:cTn id="35" presetID="0" presetClass="path" presetSubtype="0" accel="50000" decel="50000" fill="hold" grpId="3" nodeType="clickEffect">
-                                  <p:stCondLst>
-                                    <p:cond delay="0"/>
-                                  </p:stCondLst>
-                                  <p:childTnLst>
-                                    <p:animMotion origin="layout" path="M 0 0 L 0.2842 0.00926 L 0.28229 0.03541 L 0.32153 0.04189 L 0.32448 0.11643 L 0.12257 0.12037 L 0.12257 0.16875 L 0.09497 0.1699 " pathEditMode="relative" ptsTypes="AAAAAAAA">
-                                      <p:cBhvr>
-                                        <p:cTn id="36" dur="3000" fill="hold"/>
-                                        <p:tgtEl>
-                                          <p:spTgt spid="50"/>
-                                        </p:tgtEl>
-                                        <p:attrNameLst>
-                                          <p:attrName>ppt_x</p:attrName>
-                                          <p:attrName>ppt_y</p:attrName>
-                                        </p:attrNameLst>
-                                      </p:cBhvr>
-                                    </p:animMotion>
-                                  </p:childTnLst>
-                                </p:cTn>
-                              </p:par>
-                            </p:childTnLst>
-                          </p:cTn>
-                        </p:par>
-                        <p:par>
-                          <p:cTn id="37" fill="hold">
-                            <p:stCondLst>
-                              <p:cond delay="3000"/>
-                            </p:stCondLst>
-                            <p:childTnLst>
-                              <p:par>
-                                <p:cTn id="38" presetID="3" presetClass="exit" presetSubtype="10" fill="hold" grpId="2" nodeType="afterEffect">
-                                  <p:stCondLst>
-                                    <p:cond delay="0"/>
-                                  </p:stCondLst>
-                                  <p:childTnLst>
-                                    <p:animEffect transition="out" filter="blinds(horizontal)">
-                                      <p:cBhvr>
-                                        <p:cTn id="39" dur="500"/>
-                                        <p:tgtEl>
-                                          <p:spTgt spid="50"/>
-                                        </p:tgtEl>
-                                      </p:cBhvr>
-                                    </p:animEffect>
-                                    <p:set>
-                                      <p:cBhvr>
-                                        <p:cTn id="40" dur="1" fill="hold">
-                                          <p:stCondLst>
-                                            <p:cond delay="499"/>
-                                          </p:stCondLst>
-                                        </p:cTn>
-                                        <p:tgtEl>
-                                          <p:spTgt spid="50"/>
-                                        </p:tgtEl>
-                                        <p:attrNameLst>
-                                          <p:attrName>style.visibility</p:attrName>
-                                        </p:attrNameLst>
-                                      </p:cBhvr>
-                                      <p:to>
-                                        <p:strVal val="hidden"/>
-                                      </p:to>
-                                    </p:set>
-                                  </p:childTnLst>
-                                </p:cTn>
-                              </p:par>
-                            </p:childTnLst>
-                          </p:cTn>
-                        </p:par>
-                      </p:childTnLst>
-                    </p:cTn>
-                  </p:par>
-                  <p:par>
-                    <p:cTn id="41" fill="hold">
-                      <p:stCondLst>
-                        <p:cond delay="indefinite"/>
-                      </p:stCondLst>
-                      <p:childTnLst>
-                        <p:par>
-                          <p:cTn id="42" fill="hold">
-                            <p:stCondLst>
-                              <p:cond delay="0"/>
-                            </p:stCondLst>
-                            <p:childTnLst>
-                              <p:par>
-                                <p:cTn id="43" presetID="3" presetClass="entr" presetSubtype="10" fill="hold" grpId="0" nodeType="clickEffect">
-                                  <p:stCondLst>
-                                    <p:cond delay="0"/>
-                                  </p:stCondLst>
-                                  <p:childTnLst>
-                                    <p:set>
-                                      <p:cBhvr>
-                                        <p:cTn id="44" dur="1" fill="hold">
+                                        <p:cTn id="34" dur="1" fill="hold">
                                           <p:stCondLst>
                                             <p:cond delay="0"/>
                                           </p:stCondLst>
@@ -13122,7 +12758,7 @@
                                     </p:set>
                                     <p:animEffect transition="in" filter="blinds(horizontal)">
                                       <p:cBhvr>
-                                        <p:cTn id="45" dur="500"/>
+                                        <p:cTn id="35" dur="500"/>
                                         <p:tgtEl>
                                           <p:spTgt spid="51"/>
                                         </p:tgtEl>
@@ -13138,26 +12774,26 @@
                     </p:cTn>
                   </p:par>
                   <p:par>
-                    <p:cTn id="46" fill="hold">
+                    <p:cTn id="36" fill="hold">
                       <p:stCondLst>
                         <p:cond delay="indefinite"/>
                       </p:stCondLst>
                       <p:childTnLst>
                         <p:par>
-                          <p:cTn id="47" fill="hold">
+                          <p:cTn id="37" fill="hold">
                             <p:stCondLst>
                               <p:cond delay="0"/>
                             </p:stCondLst>
                             <p:childTnLst>
                               <p:par>
-                                <p:cTn id="48" presetID="0" presetClass="path" presetSubtype="0" accel="50000" decel="50000" fill="hold" grpId="3" nodeType="clickEffect">
+                                <p:cTn id="38" presetID="0" presetClass="path" presetSubtype="0" accel="50000" decel="50000" fill="hold" grpId="3" nodeType="clickEffect">
                                   <p:stCondLst>
                                     <p:cond delay="0"/>
                                   </p:stCondLst>
                                   <p:childTnLst>
                                     <p:animMotion origin="layout" path="M 0 0 L -0.16076 -0.00277 L -0.15607 0.18681 L -0.36771 0.1882 L -0.64114 0.18959 L -0.76076 0.19074 L -0.76476 0.04561 L -0.87743 0.04954 L -0.87552 -0.00393 L -0.93333 -0.00393 " pathEditMode="relative" ptsTypes="AAAAAAAAAA">
                                       <p:cBhvr>
-                                        <p:cTn id="49" dur="5000" fill="hold"/>
+                                        <p:cTn id="39" dur="5000" fill="hold"/>
                                         <p:tgtEl>
                                           <p:spTgt spid="51"/>
                                         </p:tgtEl>
@@ -13174,20 +12810,20 @@
                           </p:cTn>
                         </p:par>
                         <p:par>
-                          <p:cTn id="50" fill="hold">
+                          <p:cTn id="40" fill="hold">
                             <p:stCondLst>
                               <p:cond delay="5000"/>
                             </p:stCondLst>
                             <p:childTnLst>
                               <p:par>
-                                <p:cTn id="51" presetID="3" presetClass="exit" presetSubtype="10" fill="hold" grpId="2" nodeType="afterEffect">
+                                <p:cTn id="41" presetID="3" presetClass="exit" presetSubtype="10" fill="hold" grpId="2" nodeType="afterEffect">
                                   <p:stCondLst>
                                     <p:cond delay="0"/>
                                   </p:stCondLst>
                                   <p:childTnLst>
                                     <p:animEffect transition="out" filter="blinds(horizontal)">
                                       <p:cBhvr>
-                                        <p:cTn id="52" dur="500"/>
+                                        <p:cTn id="42" dur="500"/>
                                         <p:tgtEl>
                                           <p:spTgt spid="51"/>
                                         </p:tgtEl>
@@ -13195,7 +12831,7 @@
                                     </p:animEffect>
                                     <p:set>
                                       <p:cBhvr>
-                                        <p:cTn id="53" dur="1" fill="hold">
+                                        <p:cTn id="43" dur="1" fill="hold">
                                           <p:stCondLst>
                                             <p:cond delay="499"/>
                                           </p:stCondLst>
@@ -13242,15 +12878,9 @@
       </p:par>
     </p:tnLst>
     <p:bldLst>
-      <p:bldP spid="48" grpId="0" animBg="1"/>
-      <p:bldP spid="48" grpId="1" animBg="1"/>
-      <p:bldP spid="48" grpId="2" animBg="1"/>
       <p:bldP spid="49" grpId="0" animBg="1"/>
       <p:bldP spid="49" grpId="1" animBg="1"/>
       <p:bldP spid="49" grpId="2" animBg="1"/>
-      <p:bldP spid="50" grpId="0" animBg="1"/>
-      <p:bldP spid="50" grpId="2" animBg="1"/>
-      <p:bldP spid="50" grpId="3" animBg="1"/>
       <p:bldP spid="51" grpId="0" animBg="1"/>
       <p:bldP spid="51" grpId="2" animBg="1"/>
       <p:bldP spid="51" grpId="3" animBg="1"/>
@@ -13344,31 +12974,7 @@
                   <a:schemeClr val="tx1"/>
                 </a:solidFill>
               </a:rPr>
-              <a:t> Basic block-level VHDL TBs </a:t>
-            </a:r>
-            <a:r>
-              <a:rPr lang="en-US" dirty="0" smtClean="0">
-                <a:solidFill>
-                  <a:schemeClr val="tx1"/>
-                </a:solidFill>
-              </a:rPr>
-              <a:t>for SPI cores during </a:t>
-            </a:r>
-            <a:r>
-              <a:rPr lang="en-US" dirty="0" smtClean="0">
-                <a:solidFill>
-                  <a:schemeClr val="tx1"/>
-                </a:solidFill>
-              </a:rPr>
-              <a:t>design </a:t>
-            </a:r>
-            <a:r>
-              <a:rPr lang="en-US" dirty="0" smtClean="0">
-                <a:solidFill>
-                  <a:schemeClr val="tx1"/>
-                </a:solidFill>
-              </a:rPr>
-              <a:t>stage</a:t>
+              <a:t> Basic block-level VHDL TBs for SPI cores during design stage</a:t>
             </a:r>
           </a:p>
           <a:p>
@@ -13435,29 +13041,8 @@
                   <a:schemeClr val="tx1"/>
                 </a:solidFill>
               </a:rPr>
-              <a:t> Top: </a:t>
+              <a:t> Top: SPI Master + Slave</a:t>
             </a:r>
-            <a:r>
-              <a:rPr lang="en-US" dirty="0" smtClean="0">
-                <a:solidFill>
-                  <a:schemeClr val="tx1"/>
-                </a:solidFill>
-              </a:rPr>
-              <a:t>SPI </a:t>
-            </a:r>
-            <a:r>
-              <a:rPr lang="en-US" dirty="0" smtClean="0">
-                <a:solidFill>
-                  <a:schemeClr val="tx1"/>
-                </a:solidFill>
-              </a:rPr>
-              <a:t>Master + Slave</a:t>
-            </a:r>
-            <a:endParaRPr lang="en-US" dirty="0" smtClean="0">
-              <a:solidFill>
-                <a:schemeClr val="tx1"/>
-              </a:solidFill>
-            </a:endParaRPr>
           </a:p>
           <a:p>
             <a:pPr lvl="1" algn="l" rtl="0">
@@ -13470,29 +13055,8 @@
                   <a:schemeClr val="tx1"/>
                 </a:solidFill>
               </a:rPr>
-              <a:t> </a:t>
+              <a:t> Top Architecture (Whole system)</a:t>
             </a:r>
-            <a:r>
-              <a:rPr lang="en-US" dirty="0" smtClean="0">
-                <a:solidFill>
-                  <a:schemeClr val="tx1"/>
-                </a:solidFill>
-              </a:rPr>
-              <a:t>Top Architecture (Whol</a:t>
-            </a:r>
-            <a:r>
-              <a:rPr lang="en-US" dirty="0" smtClean="0">
-                <a:solidFill>
-                  <a:schemeClr val="tx1"/>
-                </a:solidFill>
-              </a:rPr>
-              <a:t>e system)</a:t>
-            </a:r>
-            <a:endParaRPr lang="en-US" dirty="0" smtClean="0">
-              <a:solidFill>
-                <a:schemeClr val="tx1"/>
-              </a:solidFill>
-            </a:endParaRPr>
           </a:p>
         </p:txBody>
       </p:sp>
@@ -14421,7 +13985,7 @@
                   <a:srgbClr val="7030A0"/>
                 </a:solidFill>
               </a:rPr>
-              <a:t>Verification </a:t>
+              <a:t>Main Verification </a:t>
             </a:r>
             <a:r>
               <a:rPr lang="en-US" dirty="0" smtClean="0">
@@ -14451,7 +14015,7 @@
         </p:nvSpPr>
         <p:spPr>
           <a:xfrm>
-            <a:off x="285720" y="1928802"/>
+            <a:off x="357158" y="1500174"/>
             <a:ext cx="8429684" cy="4286280"/>
           </a:xfrm>
         </p:spPr>
@@ -14461,7 +14025,15 @@
           </a:bodyPr>
           <a:lstStyle/>
           <a:p>
-            <a:pPr algn="l" rtl="0">
+            <a:pPr algn="l" rtl="0"/>
+            <a:endParaRPr lang="en-US" dirty="0" smtClean="0">
+              <a:solidFill>
+                <a:schemeClr val="tx1"/>
+              </a:solidFill>
+            </a:endParaRPr>
+          </a:p>
+          <a:p>
+            <a:pPr lvl="1" algn="l" rtl="0">
               <a:buFont typeface="Arial" pitchFamily="34" charset="0"/>
               <a:buChar char="•"/>
             </a:pPr>
@@ -14471,7 +14043,7 @@
                   <a:schemeClr val="tx1"/>
                 </a:solidFill>
               </a:rPr>
-              <a:t> Main verification principles</a:t>
+              <a:t> Randomly generated values</a:t>
             </a:r>
           </a:p>
           <a:p>
@@ -14485,53 +14057,7 @@
                   <a:schemeClr val="tx1"/>
                 </a:solidFill>
               </a:rPr>
-              <a:t> </a:t>
-            </a:r>
-            <a:r>
-              <a:rPr lang="en-US" dirty="0" smtClean="0">
-                <a:solidFill>
-                  <a:schemeClr val="tx1"/>
-                </a:solidFill>
-              </a:rPr>
-              <a:t>Randomly </a:t>
-            </a:r>
-            <a:r>
-              <a:rPr lang="en-US" dirty="0" smtClean="0">
-                <a:solidFill>
-                  <a:schemeClr val="tx1"/>
-                </a:solidFill>
-              </a:rPr>
-              <a:t>generated values</a:t>
-            </a:r>
-          </a:p>
-          <a:p>
-            <a:pPr lvl="1" algn="l" rtl="0">
-              <a:buFont typeface="Arial" pitchFamily="34" charset="0"/>
-              <a:buChar char="•"/>
-            </a:pPr>
-            <a:r>
-              <a:rPr lang="en-US" dirty="0" smtClean="0">
-                <a:solidFill>
-                  <a:schemeClr val="tx1"/>
-                </a:solidFill>
-              </a:rPr>
-              <a:t> </a:t>
-            </a:r>
-            <a:r>
-              <a:rPr lang="en-US" dirty="0" smtClean="0">
-                <a:solidFill>
-                  <a:schemeClr val="tx1"/>
-                </a:solidFill>
-              </a:rPr>
-              <a:t>Functional Coverage </a:t>
-            </a:r>
-            <a:r>
-              <a:rPr lang="en-US" dirty="0" smtClean="0">
-                <a:solidFill>
-                  <a:schemeClr val="tx1"/>
-                </a:solidFill>
-              </a:rPr>
-              <a:t>collection</a:t>
+              <a:t> Functional Coverage collection</a:t>
             </a:r>
           </a:p>
           <a:p>
@@ -14572,23 +14098,7 @@
                   <a:schemeClr val="tx1"/>
                 </a:solidFill>
               </a:rPr>
-              <a:t> SPI cores – </a:t>
-            </a:r>
-            <a:r>
-              <a:rPr lang="en-US" dirty="0" smtClean="0">
-                <a:solidFill>
-                  <a:schemeClr val="tx1"/>
-                </a:solidFill>
-              </a:rPr>
-              <a:t>includes </a:t>
-            </a:r>
-            <a:r>
-              <a:rPr lang="en-US" dirty="0" smtClean="0">
-                <a:solidFill>
-                  <a:schemeClr val="tx1"/>
-                </a:solidFill>
-              </a:rPr>
-              <a:t>possible edge cases</a:t>
+              <a:t> SPI cores – includes possible edge cases</a:t>
             </a:r>
           </a:p>
           <a:p>
@@ -14648,7 +14158,7 @@
                                         <p:tgtEl>
                                           <p:spTgt spid="5">
                                             <p:txEl>
-                                              <p:pRg st="0" end="0"/>
+                                              <p:pRg st="1" end="1"/>
                                             </p:txEl>
                                           </p:spTgt>
                                         </p:tgtEl>
@@ -14666,7 +14176,7 @@
                                         <p:tgtEl>
                                           <p:spTgt spid="5">
                                             <p:txEl>
-                                              <p:pRg st="0" end="0"/>
+                                              <p:pRg st="1" end="1"/>
                                             </p:txEl>
                                           </p:spTgt>
                                         </p:tgtEl>
@@ -14709,7 +14219,7 @@
                                         <p:tgtEl>
                                           <p:spTgt spid="5">
                                             <p:txEl>
-                                              <p:pRg st="1" end="1"/>
+                                              <p:pRg st="2" end="2"/>
                                             </p:txEl>
                                           </p:spTgt>
                                         </p:tgtEl>
@@ -14727,7 +14237,7 @@
                                         <p:tgtEl>
                                           <p:spTgt spid="5">
                                             <p:txEl>
-                                              <p:pRg st="1" end="1"/>
+                                              <p:pRg st="2" end="2"/>
                                             </p:txEl>
                                           </p:spTgt>
                                         </p:tgtEl>
@@ -14770,7 +14280,7 @@
                                         <p:tgtEl>
                                           <p:spTgt spid="5">
                                             <p:txEl>
-                                              <p:pRg st="2" end="2"/>
+                                              <p:pRg st="3" end="3"/>
                                             </p:txEl>
                                           </p:spTgt>
                                         </p:tgtEl>
@@ -14788,7 +14298,7 @@
                                         <p:tgtEl>
                                           <p:spTgt spid="5">
                                             <p:txEl>
-                                              <p:pRg st="2" end="2"/>
+                                              <p:pRg st="3" end="3"/>
                                             </p:txEl>
                                           </p:spTgt>
                                         </p:tgtEl>
@@ -14831,7 +14341,7 @@
                                         <p:tgtEl>
                                           <p:spTgt spid="5">
                                             <p:txEl>
-                                              <p:pRg st="3" end="3"/>
+                                              <p:pRg st="4" end="4"/>
                                             </p:txEl>
                                           </p:spTgt>
                                         </p:tgtEl>
@@ -14849,7 +14359,7 @@
                                         <p:tgtEl>
                                           <p:spTgt spid="5">
                                             <p:txEl>
-                                              <p:pRg st="3" end="3"/>
+                                              <p:pRg st="4" end="4"/>
                                             </p:txEl>
                                           </p:spTgt>
                                         </p:tgtEl>
@@ -14892,7 +14402,7 @@
                                         <p:tgtEl>
                                           <p:spTgt spid="5">
                                             <p:txEl>
-                                              <p:pRg st="4" end="4"/>
+                                              <p:pRg st="5" end="5"/>
                                             </p:txEl>
                                           </p:spTgt>
                                         </p:tgtEl>
@@ -14907,67 +14417,6 @@
                                     <p:animEffect transition="in" filter="blinds(horizontal)">
                                       <p:cBhvr>
                                         <p:cTn id="27" dur="500"/>
-                                        <p:tgtEl>
-                                          <p:spTgt spid="5">
-                                            <p:txEl>
-                                              <p:pRg st="4" end="4"/>
-                                            </p:txEl>
-                                          </p:spTgt>
-                                        </p:tgtEl>
-                                      </p:cBhvr>
-                                    </p:animEffect>
-                                  </p:childTnLst>
-                                </p:cTn>
-                              </p:par>
-                            </p:childTnLst>
-                          </p:cTn>
-                        </p:par>
-                      </p:childTnLst>
-                    </p:cTn>
-                  </p:par>
-                  <p:par>
-                    <p:cTn id="28" fill="hold">
-                      <p:stCondLst>
-                        <p:cond delay="indefinite"/>
-                      </p:stCondLst>
-                      <p:childTnLst>
-                        <p:par>
-                          <p:cTn id="29" fill="hold">
-                            <p:stCondLst>
-                              <p:cond delay="0"/>
-                            </p:stCondLst>
-                            <p:childTnLst>
-                              <p:par>
-                                <p:cTn id="30" presetID="3" presetClass="entr" presetSubtype="10" fill="hold" nodeType="clickEffect">
-                                  <p:stCondLst>
-                                    <p:cond delay="0"/>
-                                  </p:stCondLst>
-                                  <p:childTnLst>
-                                    <p:set>
-                                      <p:cBhvr>
-                                        <p:cTn id="31" dur="1" fill="hold">
-                                          <p:stCondLst>
-                                            <p:cond delay="0"/>
-                                          </p:stCondLst>
-                                        </p:cTn>
-                                        <p:tgtEl>
-                                          <p:spTgt spid="5">
-                                            <p:txEl>
-                                              <p:pRg st="5" end="5"/>
-                                            </p:txEl>
-                                          </p:spTgt>
-                                        </p:tgtEl>
-                                        <p:attrNameLst>
-                                          <p:attrName>style.visibility</p:attrName>
-                                        </p:attrNameLst>
-                                      </p:cBhvr>
-                                      <p:to>
-                                        <p:strVal val="visible"/>
-                                      </p:to>
-                                    </p:set>
-                                    <p:animEffect transition="in" filter="blinds(horizontal)">
-                                      <p:cBhvr>
-                                        <p:cTn id="32" dur="500"/>
                                         <p:tgtEl>
                                           <p:spTgt spid="5">
                                             <p:txEl>
@@ -16545,18 +15994,7 @@
                           <a:ea typeface="+mn-ea"/>
                           <a:cs typeface="+mn-cs"/>
                         </a:rPr>
-                        <a:t>FIFO </a:t>
-                      </a:r>
-                      <a:r>
-                        <a:rPr lang="en-US" sz="1800" b="1" kern="1200" dirty="0" smtClean="0">
-                          <a:solidFill>
-                            <a:schemeClr val="dk1"/>
-                          </a:solidFill>
-                          <a:latin typeface="+mn-lt"/>
-                          <a:ea typeface="+mn-ea"/>
-                          <a:cs typeface="+mn-cs"/>
-                        </a:rPr>
-                        <a:t>Error (Not responding)</a:t>
+                        <a:t>FIFO Error (Not responding)</a:t>
                       </a:r>
                       <a:endParaRPr lang="he-IL" dirty="0"/>
                     </a:p>
@@ -18414,18 +17852,7 @@
                           <a:ea typeface="+mn-ea"/>
                           <a:cs typeface="+mn-cs"/>
                         </a:rPr>
-                        <a:t>Configuration during </a:t>
-                      </a:r>
-                      <a:r>
-                        <a:rPr lang="en-US" sz="1800" b="1" kern="1200" dirty="0" smtClean="0">
-                          <a:solidFill>
-                            <a:schemeClr val="dk1"/>
-                          </a:solidFill>
-                          <a:latin typeface="+mn-lt"/>
-                          <a:ea typeface="+mn-ea"/>
-                          <a:cs typeface="+mn-cs"/>
-                        </a:rPr>
-                        <a:t>active transmission</a:t>
+                        <a:t>Configuration during active transmission</a:t>
                       </a:r>
                       <a:endParaRPr lang="he-IL" dirty="0"/>
                     </a:p>
@@ -23753,37 +23180,8 @@
                   <a:schemeClr val="tx1"/>
                 </a:solidFill>
               </a:rPr>
-              <a:t> Total of </a:t>
+              <a:t> Total of 7 major bugs were found and fixed:</a:t>
             </a:r>
-            <a:r>
-              <a:rPr lang="en-US" dirty="0" smtClean="0">
-                <a:solidFill>
-                  <a:schemeClr val="tx1"/>
-                </a:solidFill>
-              </a:rPr>
-              <a:t>7 major bugs </a:t>
-            </a:r>
-            <a:r>
-              <a:rPr lang="en-US" dirty="0" smtClean="0">
-                <a:solidFill>
-                  <a:schemeClr val="tx1"/>
-                </a:solidFill>
-              </a:rPr>
-              <a:t>were </a:t>
-            </a:r>
-            <a:r>
-              <a:rPr lang="en-US" dirty="0" smtClean="0">
-                <a:solidFill>
-                  <a:schemeClr val="tx1"/>
-                </a:solidFill>
-              </a:rPr>
-              <a:t>found and fixed:</a:t>
-            </a:r>
-            <a:endParaRPr lang="en-US" dirty="0" smtClean="0">
-              <a:solidFill>
-                <a:schemeClr val="tx1"/>
-              </a:solidFill>
-            </a:endParaRPr>
           </a:p>
           <a:p>
             <a:pPr lvl="1" algn="l" rtl="0">
@@ -23849,23 +23247,7 @@
                   <a:schemeClr val="tx1"/>
                 </a:solidFill>
               </a:rPr>
-              <a:t> Reached 100 % </a:t>
-            </a:r>
-            <a:r>
-              <a:rPr lang="en-US" dirty="0" smtClean="0">
-                <a:solidFill>
-                  <a:schemeClr val="tx1"/>
-                </a:solidFill>
-              </a:rPr>
-              <a:t>functional coverage for </a:t>
-            </a:r>
-            <a:r>
-              <a:rPr lang="en-US" dirty="0" smtClean="0">
-                <a:solidFill>
-                  <a:schemeClr val="tx1"/>
-                </a:solidFill>
-              </a:rPr>
-              <a:t>all TBs</a:t>
+              <a:t> Reached 100 % functional coverage for all TBs</a:t>
             </a:r>
           </a:p>
         </p:txBody>
@@ -24467,15 +23849,7 @@
                   <a:schemeClr val="tx1"/>
                 </a:solidFill>
               </a:rPr>
-              <a:t> A lot more than the original </a:t>
-            </a:r>
-            <a:r>
-              <a:rPr lang="en-US" dirty="0" smtClean="0">
-                <a:solidFill>
-                  <a:schemeClr val="tx1"/>
-                </a:solidFill>
-              </a:rPr>
-              <a:t>project</a:t>
+              <a:t> A lot more than the original project</a:t>
             </a:r>
           </a:p>
           <a:p>
@@ -24510,11 +23884,6 @@
               </a:rPr>
               <a:t>Master and Slave host implementation, instead of only SPI Master and Slave</a:t>
             </a:r>
-            <a:endParaRPr lang="en-US" dirty="0" smtClean="0">
-              <a:solidFill>
-                <a:schemeClr val="tx1"/>
-              </a:solidFill>
-            </a:endParaRPr>
           </a:p>
           <a:p>
             <a:pPr lvl="1" algn="l" rtl="0"/>
@@ -24534,11 +23903,6 @@
               </a:rPr>
               <a:t>Verification:</a:t>
             </a:r>
-            <a:endParaRPr lang="en-US" b="1" u="sng" dirty="0" smtClean="0">
-              <a:solidFill>
-                <a:schemeClr val="tx1"/>
-              </a:solidFill>
-            </a:endParaRPr>
           </a:p>
           <a:p>
             <a:pPr lvl="1" algn="l" rtl="0">
@@ -24559,15 +23923,7 @@
                   <a:schemeClr val="tx1"/>
                 </a:solidFill>
               </a:rPr>
-              <a:t>Implemented </a:t>
-            </a:r>
-            <a:r>
-              <a:rPr lang="en-US" dirty="0" smtClean="0">
-                <a:solidFill>
-                  <a:schemeClr val="tx1"/>
-                </a:solidFill>
-              </a:rPr>
-              <a:t>4 TBs instead of 3 TBs</a:t>
+              <a:t>Implemented 4 TBs instead of 3 TBs</a:t>
             </a:r>
           </a:p>
           <a:p>
@@ -24621,11 +23977,6 @@
               </a:rPr>
               <a:t>Usage of UVM 1.1</a:t>
             </a:r>
-            <a:endParaRPr lang="en-US" b="1" spc="300" dirty="0" smtClean="0">
-              <a:solidFill>
-                <a:srgbClr val="7030A0"/>
-              </a:solidFill>
-            </a:endParaRPr>
           </a:p>
         </p:txBody>
       </p:sp>
@@ -26395,15 +25746,7 @@
                   <a:srgbClr val="7030A0"/>
                 </a:solidFill>
               </a:rPr>
-              <a:t>SPI </a:t>
-            </a:r>
-            <a:r>
-              <a:rPr lang="en-US" dirty="0" smtClean="0">
-                <a:solidFill>
-                  <a:srgbClr val="7030A0"/>
-                </a:solidFill>
-              </a:rPr>
-              <a:t>Interface Description</a:t>
+              <a:t>SPI Interface Description</a:t>
             </a:r>
             <a:endParaRPr lang="he-IL" dirty="0">
               <a:solidFill>
@@ -26549,8 +25892,21 @@
                   <a:schemeClr val="tx1"/>
                 </a:solidFill>
               </a:rPr>
-              <a:t>: Slave Select (output from master).</a:t>
+              <a:t>: Slave Select (output from master</a:t>
             </a:r>
+            <a:r>
+              <a:rPr lang="en-US" dirty="0" smtClean="0">
+                <a:solidFill>
+                  <a:schemeClr val="tx1"/>
+                </a:solidFill>
+              </a:rPr>
+              <a:t>)</a:t>
+            </a:r>
+            <a:endParaRPr lang="en-US" dirty="0" smtClean="0">
+              <a:solidFill>
+                <a:schemeClr val="tx1"/>
+              </a:solidFill>
+            </a:endParaRPr>
           </a:p>
           <a:p>
             <a:pPr lvl="1" algn="l" rtl="0">
@@ -27050,15 +26406,7 @@
                   <a:srgbClr val="7030A0"/>
                 </a:solidFill>
               </a:rPr>
-              <a:t>SPI </a:t>
-            </a:r>
-            <a:r>
-              <a:rPr lang="en-US" dirty="0" smtClean="0">
-                <a:solidFill>
-                  <a:srgbClr val="7030A0"/>
-                </a:solidFill>
-              </a:rPr>
-              <a:t>Clock Configuration</a:t>
+              <a:t>SPI Clock Configuration</a:t>
             </a:r>
             <a:endParaRPr lang="he-IL" dirty="0">
               <a:solidFill>
@@ -27299,15 +26647,7 @@
                   <a:srgbClr val="7030A0"/>
                 </a:solidFill>
               </a:rPr>
-              <a:t>SPI </a:t>
-            </a:r>
-            <a:r>
-              <a:rPr lang="en-US" dirty="0" smtClean="0">
-                <a:solidFill>
-                  <a:srgbClr val="7030A0"/>
-                </a:solidFill>
-              </a:rPr>
-              <a:t>Master Burst Waveform</a:t>
+              <a:t>SPI Master Burst Waveform</a:t>
             </a:r>
             <a:endParaRPr lang="he-IL" dirty="0">
               <a:solidFill>
@@ -29498,15 +28838,7 @@
                   <a:srgbClr val="7030A0"/>
                 </a:solidFill>
               </a:rPr>
-              <a:t>SPI </a:t>
-            </a:r>
-            <a:r>
-              <a:rPr lang="en-US" dirty="0" smtClean="0">
-                <a:solidFill>
-                  <a:srgbClr val="7030A0"/>
-                </a:solidFill>
-              </a:rPr>
-              <a:t>Slave Burst Waveform</a:t>
+              <a:t>SPI Slave Burst Waveform</a:t>
             </a:r>
             <a:endParaRPr lang="he-IL" dirty="0">
               <a:solidFill>
@@ -31171,13 +30503,15 @@
         <p:cxnSp>
           <p:nvCxnSpPr>
             <p:cNvPr id="95" name="Straight Arrow Connector 94"/>
-            <p:cNvCxnSpPr/>
+            <p:cNvCxnSpPr>
+              <a:stCxn id="94" idx="2"/>
+            </p:cNvCxnSpPr>
             <p:nvPr/>
           </p:nvCxnSpPr>
           <p:spPr>
             <a:xfrm rot="5400000">
-              <a:off x="2750333" y="987961"/>
-              <a:ext cx="1357321" cy="714379"/>
+              <a:off x="2858757" y="991853"/>
+              <a:ext cx="1245005" cy="818911"/>
             </a:xfrm>
             <a:prstGeom prst="straightConnector1">
               <a:avLst/>
@@ -33264,15 +32598,7 @@
                   <a:srgbClr val="7030A0"/>
                 </a:solidFill>
               </a:rPr>
-              <a:t>Wishbone </a:t>
-            </a:r>
-            <a:r>
-              <a:rPr lang="en-US" dirty="0" smtClean="0">
-                <a:solidFill>
-                  <a:srgbClr val="7030A0"/>
-                </a:solidFill>
-              </a:rPr>
-              <a:t>Description</a:t>
+              <a:t>Wishbone Description</a:t>
             </a:r>
             <a:endParaRPr lang="he-IL" dirty="0">
               <a:solidFill>
@@ -33309,11 +32635,11 @@
             </a:pPr>
             <a:r>
               <a:rPr lang="en-US" sz="2800" dirty="0" smtClean="0"/>
-              <a:t>Wishbone: Flexible design methodology for use with semiconductor IP </a:t>
+              <a:t> Wishbone</a:t>
             </a:r>
             <a:r>
               <a:rPr lang="en-US" sz="2800" dirty="0" smtClean="0"/>
-              <a:t>cores</a:t>
+              <a:t>: Flexible design methodology for use with semiconductor IP cores</a:t>
             </a:r>
           </a:p>
           <a:p>
@@ -33546,15 +32872,7 @@
                   <a:srgbClr val="7030A0"/>
                 </a:solidFill>
               </a:rPr>
-              <a:t>Wishbone </a:t>
-            </a:r>
-            <a:r>
-              <a:rPr lang="en-US" dirty="0" smtClean="0">
-                <a:solidFill>
-                  <a:srgbClr val="7030A0"/>
-                </a:solidFill>
-              </a:rPr>
-              <a:t>Description:</a:t>
+              <a:t>Wishbone Description:</a:t>
             </a:r>
             <a:br>
               <a:rPr lang="en-US" dirty="0" smtClean="0">
@@ -33596,7 +32914,7 @@
         </p:blipFill>
         <p:spPr bwMode="auto">
           <a:xfrm>
-            <a:off x="-6381" y="2415723"/>
+            <a:off x="128619" y="2415723"/>
             <a:ext cx="8943975" cy="2762250"/>
           </a:xfrm>
           <a:prstGeom prst="rect">
@@ -33619,7 +32937,7 @@
         </p:nvSpPr>
         <p:spPr>
           <a:xfrm>
-            <a:off x="4786314" y="2868154"/>
+            <a:off x="4921314" y="2868154"/>
             <a:ext cx="214314" cy="428628"/>
           </a:xfrm>
           <a:prstGeom prst="rect">
@@ -33665,7 +32983,7 @@
         </p:nvSpPr>
         <p:spPr>
           <a:xfrm>
-            <a:off x="7215206" y="3225344"/>
+            <a:off x="7350206" y="3225344"/>
             <a:ext cx="214314" cy="428628"/>
           </a:xfrm>
           <a:prstGeom prst="rect">
@@ -33711,7 +33029,7 @@
         </p:nvSpPr>
         <p:spPr>
           <a:xfrm>
-            <a:off x="4214810" y="4439790"/>
+            <a:off x="4349810" y="4439790"/>
             <a:ext cx="357190" cy="285752"/>
           </a:xfrm>
           <a:prstGeom prst="rect">
@@ -33757,7 +33075,7 @@
         </p:nvSpPr>
         <p:spPr>
           <a:xfrm>
-            <a:off x="7215206" y="4439790"/>
+            <a:off x="7350206" y="4439790"/>
             <a:ext cx="1714512" cy="285752"/>
           </a:xfrm>
           <a:prstGeom prst="rect">
@@ -33803,7 +33121,7 @@
         </p:nvSpPr>
         <p:spPr>
           <a:xfrm>
-            <a:off x="2357422" y="1939460"/>
+            <a:off x="2492422" y="1939460"/>
             <a:ext cx="1421223" cy="369332"/>
           </a:xfrm>
           <a:prstGeom prst="rect">
@@ -33849,7 +33167,7 @@
         </p:nvCxnSpPr>
         <p:spPr>
           <a:xfrm rot="16200000" flipH="1">
-            <a:off x="3701071" y="1675754"/>
+            <a:off x="3836071" y="1675754"/>
             <a:ext cx="559362" cy="1825437"/>
           </a:xfrm>
           <a:prstGeom prst="straightConnector1">
@@ -33882,7 +33200,7 @@
         </p:nvSpPr>
         <p:spPr>
           <a:xfrm>
-            <a:off x="6429388" y="2082336"/>
+            <a:off x="6564388" y="2082336"/>
             <a:ext cx="2050819" cy="369332"/>
           </a:xfrm>
           <a:prstGeom prst="rect">
@@ -33925,7 +33243,7 @@
         </p:nvSpPr>
         <p:spPr>
           <a:xfrm>
-            <a:off x="4714876" y="4060575"/>
+            <a:off x="4849876" y="4060575"/>
             <a:ext cx="1862176" cy="307777"/>
           </a:xfrm>
           <a:prstGeom prst="rect">
@@ -33973,7 +33291,7 @@
         </p:nvSpPr>
         <p:spPr>
           <a:xfrm rot="5400000">
-            <a:off x="5378905" y="2551015"/>
+            <a:off x="5513905" y="2551015"/>
             <a:ext cx="357190" cy="2643206"/>
           </a:xfrm>
           <a:prstGeom prst="rightBrace">
@@ -34014,7 +33332,7 @@
         </p:nvCxnSpPr>
         <p:spPr>
           <a:xfrm rot="5400000">
-            <a:off x="7001743" y="2772289"/>
+            <a:off x="7136743" y="2772289"/>
             <a:ext cx="773676" cy="132435"/>
           </a:xfrm>
           <a:prstGeom prst="straightConnector1">
@@ -34047,7 +33365,7 @@
         </p:nvSpPr>
         <p:spPr>
           <a:xfrm>
-            <a:off x="4500562" y="5939988"/>
+            <a:off x="4635562" y="5939988"/>
             <a:ext cx="1654941" cy="369332"/>
           </a:xfrm>
           <a:prstGeom prst="rect">
@@ -34094,7 +33412,7 @@
         </p:nvCxnSpPr>
         <p:spPr>
           <a:xfrm rot="16200000" flipV="1">
-            <a:off x="4271356" y="4883310"/>
+            <a:off x="4406356" y="4883310"/>
             <a:ext cx="1357322" cy="756033"/>
           </a:xfrm>
           <a:prstGeom prst="straightConnector1">
@@ -34130,7 +33448,7 @@
         </p:nvCxnSpPr>
         <p:spPr>
           <a:xfrm rot="5400000" flipH="1" flipV="1">
-            <a:off x="6093024" y="3960551"/>
+            <a:off x="6228024" y="3960551"/>
             <a:ext cx="1214446" cy="2744429"/>
           </a:xfrm>
           <a:prstGeom prst="straightConnector1">
@@ -34163,7 +33481,7 @@
         </p:nvSpPr>
         <p:spPr>
           <a:xfrm>
-            <a:off x="3571868" y="4939856"/>
+            <a:off x="3706868" y="4939856"/>
             <a:ext cx="609462" cy="261610"/>
           </a:xfrm>
           <a:prstGeom prst="rect">
@@ -34206,7 +33524,7 @@
         </p:nvSpPr>
         <p:spPr>
           <a:xfrm>
-            <a:off x="3571868" y="3939724"/>
+            <a:off x="3706868" y="3939724"/>
             <a:ext cx="601447" cy="246221"/>
           </a:xfrm>
           <a:prstGeom prst="rect">
@@ -34249,7 +33567,7 @@
         </p:nvSpPr>
         <p:spPr>
           <a:xfrm>
-            <a:off x="3357554" y="4225476"/>
+            <a:off x="3492554" y="4225476"/>
             <a:ext cx="846707" cy="246221"/>
           </a:xfrm>
           <a:prstGeom prst="rect">
@@ -34292,7 +33610,7 @@
         </p:nvSpPr>
         <p:spPr>
           <a:xfrm>
-            <a:off x="3324801" y="4439790"/>
+            <a:off x="3459801" y="4439790"/>
             <a:ext cx="891591" cy="261610"/>
           </a:xfrm>
           <a:prstGeom prst="rect">
